--- a/Chapter13. 동시성.pptx
+++ b/Chapter13. 동시성.pptx
@@ -122,6 +122,11 @@
       </a:defRPr>
     </a:lvl9pPr>
   </p:defaultTextStyle>
+  <p:extLst>
+    <p:ext uri="{EFAFB233-063F-42B5-8137-9DF3F51BA10A}">
+      <p15:sldGuideLst xmlns:p15="http://schemas.microsoft.com/office/powerpoint/2012/main"/>
+    </p:ext>
+  </p:extLst>
 </p:presentation>
 </file>
 
@@ -256,7 +261,7 @@
           <a:p>
             <a:fld id="{1C749B36-0F87-4646-BE55-19055AC80783}" type="datetimeFigureOut">
               <a:rPr lang="ko-KR" altLang="en-US" smtClean="0"/>
-              <a:t>2018-01-03</a:t>
+              <a:t>2018-01-14</a:t>
             </a:fld>
             <a:endParaRPr lang="ko-KR" altLang="en-US"/>
           </a:p>
@@ -426,7 +431,7 @@
           <a:p>
             <a:fld id="{1C749B36-0F87-4646-BE55-19055AC80783}" type="datetimeFigureOut">
               <a:rPr lang="ko-KR" altLang="en-US" smtClean="0"/>
-              <a:t>2018-01-03</a:t>
+              <a:t>2018-01-14</a:t>
             </a:fld>
             <a:endParaRPr lang="ko-KR" altLang="en-US"/>
           </a:p>
@@ -606,7 +611,7 @@
           <a:p>
             <a:fld id="{1C749B36-0F87-4646-BE55-19055AC80783}" type="datetimeFigureOut">
               <a:rPr lang="ko-KR" altLang="en-US" smtClean="0"/>
-              <a:t>2018-01-03</a:t>
+              <a:t>2018-01-14</a:t>
             </a:fld>
             <a:endParaRPr lang="ko-KR" altLang="en-US"/>
           </a:p>
@@ -776,7 +781,7 @@
           <a:p>
             <a:fld id="{1C749B36-0F87-4646-BE55-19055AC80783}" type="datetimeFigureOut">
               <a:rPr lang="ko-KR" altLang="en-US" smtClean="0"/>
-              <a:t>2018-01-03</a:t>
+              <a:t>2018-01-14</a:t>
             </a:fld>
             <a:endParaRPr lang="ko-KR" altLang="en-US"/>
           </a:p>
@@ -1022,7 +1027,7 @@
           <a:p>
             <a:fld id="{1C749B36-0F87-4646-BE55-19055AC80783}" type="datetimeFigureOut">
               <a:rPr lang="ko-KR" altLang="en-US" smtClean="0"/>
-              <a:t>2018-01-03</a:t>
+              <a:t>2018-01-14</a:t>
             </a:fld>
             <a:endParaRPr lang="ko-KR" altLang="en-US"/>
           </a:p>
@@ -1254,7 +1259,7 @@
           <a:p>
             <a:fld id="{1C749B36-0F87-4646-BE55-19055AC80783}" type="datetimeFigureOut">
               <a:rPr lang="ko-KR" altLang="en-US" smtClean="0"/>
-              <a:t>2018-01-03</a:t>
+              <a:t>2018-01-14</a:t>
             </a:fld>
             <a:endParaRPr lang="ko-KR" altLang="en-US"/>
           </a:p>
@@ -1621,7 +1626,7 @@
           <a:p>
             <a:fld id="{1C749B36-0F87-4646-BE55-19055AC80783}" type="datetimeFigureOut">
               <a:rPr lang="ko-KR" altLang="en-US" smtClean="0"/>
-              <a:t>2018-01-03</a:t>
+              <a:t>2018-01-14</a:t>
             </a:fld>
             <a:endParaRPr lang="ko-KR" altLang="en-US"/>
           </a:p>
@@ -1739,7 +1744,7 @@
           <a:p>
             <a:fld id="{1C749B36-0F87-4646-BE55-19055AC80783}" type="datetimeFigureOut">
               <a:rPr lang="ko-KR" altLang="en-US" smtClean="0"/>
-              <a:t>2018-01-03</a:t>
+              <a:t>2018-01-14</a:t>
             </a:fld>
             <a:endParaRPr lang="ko-KR" altLang="en-US"/>
           </a:p>
@@ -1834,7 +1839,7 @@
           <a:p>
             <a:fld id="{1C749B36-0F87-4646-BE55-19055AC80783}" type="datetimeFigureOut">
               <a:rPr lang="ko-KR" altLang="en-US" smtClean="0"/>
-              <a:t>2018-01-03</a:t>
+              <a:t>2018-01-14</a:t>
             </a:fld>
             <a:endParaRPr lang="ko-KR" altLang="en-US"/>
           </a:p>
@@ -2111,7 +2116,7 @@
           <a:p>
             <a:fld id="{1C749B36-0F87-4646-BE55-19055AC80783}" type="datetimeFigureOut">
               <a:rPr lang="ko-KR" altLang="en-US" smtClean="0"/>
-              <a:t>2018-01-03</a:t>
+              <a:t>2018-01-14</a:t>
             </a:fld>
             <a:endParaRPr lang="ko-KR" altLang="en-US"/>
           </a:p>
@@ -2364,7 +2369,7 @@
           <a:p>
             <a:fld id="{1C749B36-0F87-4646-BE55-19055AC80783}" type="datetimeFigureOut">
               <a:rPr lang="ko-KR" altLang="en-US" smtClean="0"/>
-              <a:t>2018-01-03</a:t>
+              <a:t>2018-01-14</a:t>
             </a:fld>
             <a:endParaRPr lang="ko-KR" altLang="en-US"/>
           </a:p>
@@ -2577,7 +2582,7 @@
           <a:p>
             <a:fld id="{1C749B36-0F87-4646-BE55-19055AC80783}" type="datetimeFigureOut">
               <a:rPr lang="ko-KR" altLang="en-US" smtClean="0"/>
-              <a:t>2018-01-03</a:t>
+              <a:t>2018-01-14</a:t>
             </a:fld>
             <a:endParaRPr lang="ko-KR" altLang="en-US"/>
           </a:p>
@@ -4027,7 +4032,7 @@
           <a:bodyPr/>
           <a:lstStyle/>
           <a:p>
-            <a:endParaRPr lang="ko-KR" altLang="en-US"/>
+            <a:endParaRPr lang="ko-KR" altLang="en-US" dirty="0"/>
           </a:p>
         </p:txBody>
       </p:sp>
@@ -4413,12 +4418,16 @@
               <a:t>코드에 보조 코드 </a:t>
             </a:r>
             <a:r>
-              <a:rPr lang="en-US" altLang="ko-KR" dirty="0" err="1" smtClean="0"/>
-              <a:t>instrumen</a:t>
-            </a:r>
-            <a:r>
-              <a:rPr lang="ko-KR" altLang="en-US" dirty="0" smtClean="0"/>
-              <a:t>를 넣어 돌려라</a:t>
+              <a:rPr lang="en-US" altLang="ko-KR" dirty="0" smtClean="0"/>
+              <a:t>instrument</a:t>
+            </a:r>
+            <a:r>
+              <a:rPr lang="ko-KR" altLang="en-US" dirty="0" smtClean="0"/>
+              <a:t>를 </a:t>
+            </a:r>
+            <a:r>
+              <a:rPr lang="ko-KR" altLang="en-US" dirty="0" smtClean="0"/>
+              <a:t>넣어 돌려라</a:t>
             </a:r>
             <a:r>
               <a:rPr lang="en-US" altLang="ko-KR" dirty="0" smtClean="0"/>
